--- a/(1014)宏英分析記錄(含系統展示內容).pptx
+++ b/(1014)宏英分析記錄(含系統展示內容).pptx
@@ -218,7 +218,7 @@
           <a:p>
             <a:fld id="{05BF5AB9-3463-4E65-AFD3-5431B79ADFDC}" type="datetimeFigureOut">
               <a:rPr lang="zh-TW" altLang="en-US" smtClean="0"/>
-              <a:t>2022/10/13</a:t>
+              <a:t>2022/10/25</a:t>
             </a:fld>
             <a:endParaRPr lang="zh-TW" altLang="en-US"/>
           </a:p>
@@ -378,7 +378,7 @@
           <a:p>
             <a:fld id="{838FF680-7B6B-4655-B6A1-33A8AD0AE8B4}" type="datetimeFigureOut">
               <a:rPr lang="zh-TW" altLang="en-US" smtClean="0"/>
-              <a:t>2022/10/13</a:t>
+              <a:t>2022/10/25</a:t>
             </a:fld>
             <a:endParaRPr lang="zh-TW" altLang="en-US"/>
           </a:p>
@@ -4380,11 +4380,7 @@
             </a:r>
             <a:r>
               <a:rPr lang="zh-TW" altLang="en-US" dirty="0" smtClean="0"/>
-              <a:t>第二個</a:t>
-            </a:r>
-            <a:r>
-              <a:rPr lang="zh-TW" altLang="en-US" dirty="0" smtClean="0"/>
-              <a:t>模組建置</a:t>
+              <a:t>第二個模組建置</a:t>
             </a:r>
             <a:endParaRPr lang="zh-TW" altLang="en-US" dirty="0"/>
           </a:p>
@@ -5347,13 +5343,6 @@
               </a:rPr>
               <a:t>模型輸入資料</a:t>
             </a:r>
-            <a:endParaRPr lang="zh-TW" altLang="en-US" b="1" dirty="0" smtClean="0">
-              <a:solidFill>
-                <a:schemeClr val="tx1">
-                  <a:lumMod val="75000"/>
-                </a:schemeClr>
-              </a:solidFill>
-            </a:endParaRPr>
           </a:p>
         </p:txBody>
       </p:sp>
@@ -5389,13 +5378,6 @@
               </a:rPr>
               <a:t>模型輸入資料標記</a:t>
             </a:r>
-            <a:endParaRPr lang="zh-TW" altLang="en-US" b="1" dirty="0" smtClean="0">
-              <a:solidFill>
-                <a:schemeClr val="tx1">
-                  <a:lumMod val="75000"/>
-                </a:schemeClr>
-              </a:solidFill>
-            </a:endParaRPr>
           </a:p>
         </p:txBody>
       </p:sp>
@@ -5670,31 +5652,7 @@
                   <a:schemeClr val="tx1"/>
                 </a:solidFill>
               </a:rPr>
-              <a:t>主要</a:t>
-            </a:r>
-            <a:r>
-              <a:rPr lang="zh-TW" altLang="en-US" b="1" dirty="0" smtClean="0">
-                <a:solidFill>
-                  <a:schemeClr val="tx1"/>
-                </a:solidFill>
-              </a:rPr>
-              <a:t>影響塑膠地磚厚度品質的</a:t>
-            </a:r>
-            <a:r>
-              <a:rPr lang="zh-TW" altLang="en-US" b="1" dirty="0" smtClean="0">
-                <a:solidFill>
-                  <a:schemeClr val="tx1"/>
-                </a:solidFill>
-              </a:rPr>
-              <a:t>肇</a:t>
-            </a:r>
-            <a:r>
-              <a:rPr lang="zh-TW" altLang="en-US" b="1" dirty="0" smtClean="0">
-                <a:solidFill>
-                  <a:schemeClr val="tx1"/>
-                </a:solidFill>
-              </a:rPr>
-              <a:t>因與影響佔比分為</a:t>
+              <a:t>主要影響塑膠地磚厚度品質的肇因與影響佔比分為</a:t>
             </a:r>
             <a:endParaRPr lang="en-US" altLang="zh-TW" b="1" dirty="0" smtClean="0">
               <a:solidFill>
@@ -5847,13 +5805,6 @@
               </a:rPr>
               <a:t>值</a:t>
             </a:r>
-            <a:endParaRPr lang="zh-TW" altLang="en-US" b="1" u="sng" dirty="0" smtClean="0">
-              <a:solidFill>
-                <a:schemeClr val="tx1">
-                  <a:lumMod val="75000"/>
-                </a:schemeClr>
-              </a:solidFill>
-            </a:endParaRPr>
           </a:p>
         </p:txBody>
       </p:sp>
@@ -6020,11 +5971,6 @@
               </a:rPr>
               <a:t>備註：後續依建置進度繼續新增</a:t>
             </a:r>
-            <a:endParaRPr lang="zh-TW" altLang="en-US" sz="1400" b="1" dirty="0" smtClean="0">
-              <a:solidFill>
-                <a:srgbClr val="FFC000"/>
-              </a:solidFill>
-            </a:endParaRPr>
           </a:p>
         </p:txBody>
       </p:sp>
@@ -6447,11 +6393,6 @@
               </a:rPr>
               <a:t>備註：後續依建置進度繼續新增</a:t>
             </a:r>
-            <a:endParaRPr lang="zh-TW" altLang="en-US" sz="1400" b="1" dirty="0" smtClean="0">
-              <a:solidFill>
-                <a:srgbClr val="FFC000"/>
-              </a:solidFill>
-            </a:endParaRPr>
           </a:p>
         </p:txBody>
       </p:sp>
@@ -7092,13 +7033,6 @@
               </a:rPr>
               <a:t>資料</a:t>
             </a:r>
-            <a:endParaRPr lang="zh-TW" altLang="en-US" sz="1400" b="1" dirty="0" smtClean="0">
-              <a:solidFill>
-                <a:schemeClr val="tx1">
-                  <a:lumMod val="75000"/>
-                </a:schemeClr>
-              </a:solidFill>
-            </a:endParaRPr>
           </a:p>
         </p:txBody>
       </p:sp>
@@ -7251,11 +7185,7 @@
             <a:pPr algn="ctr"/>
             <a:r>
               <a:rPr lang="zh-TW" altLang="en-US" b="1" dirty="0" smtClean="0"/>
-              <a:t>品質預測</a:t>
-            </a:r>
-            <a:r>
-              <a:rPr lang="zh-TW" altLang="en-US" b="1" dirty="0" smtClean="0"/>
-              <a:t>模組</a:t>
+              <a:t>品質預測模組</a:t>
             </a:r>
             <a:endParaRPr lang="zh-TW" altLang="en-US" b="1" dirty="0"/>
           </a:p>
